--- a/day2_datavis/Philosophy_Figures.pptx
+++ b/day2_datavis/Philosophy_Figures.pptx
@@ -285,7 +285,7 @@
           <a:p>
             <a:fld id="{30A08051-1659-BE47-B6A6-19AC77E78DB6}" type="datetimeFigureOut">
               <a:rPr lang="en-US" smtClean="0"/>
-              <a:t>2/7/22</a:t>
+              <a:t>7/19/22</a:t>
             </a:fld>
             <a:endParaRPr lang="en-US"/>
           </a:p>
@@ -483,7 +483,7 @@
           <a:p>
             <a:fld id="{30A08051-1659-BE47-B6A6-19AC77E78DB6}" type="datetimeFigureOut">
               <a:rPr lang="en-US" smtClean="0"/>
-              <a:t>2/7/22</a:t>
+              <a:t>7/19/22</a:t>
             </a:fld>
             <a:endParaRPr lang="en-US"/>
           </a:p>
@@ -691,7 +691,7 @@
           <a:p>
             <a:fld id="{30A08051-1659-BE47-B6A6-19AC77E78DB6}" type="datetimeFigureOut">
               <a:rPr lang="en-US" smtClean="0"/>
-              <a:t>2/7/22</a:t>
+              <a:t>7/19/22</a:t>
             </a:fld>
             <a:endParaRPr lang="en-US"/>
           </a:p>
@@ -889,7 +889,7 @@
           <a:p>
             <a:fld id="{30A08051-1659-BE47-B6A6-19AC77E78DB6}" type="datetimeFigureOut">
               <a:rPr lang="en-US" smtClean="0"/>
-              <a:t>2/7/22</a:t>
+              <a:t>7/19/22</a:t>
             </a:fld>
             <a:endParaRPr lang="en-US"/>
           </a:p>
@@ -1164,7 +1164,7 @@
           <a:p>
             <a:fld id="{30A08051-1659-BE47-B6A6-19AC77E78DB6}" type="datetimeFigureOut">
               <a:rPr lang="en-US" smtClean="0"/>
-              <a:t>2/7/22</a:t>
+              <a:t>7/19/22</a:t>
             </a:fld>
             <a:endParaRPr lang="en-US"/>
           </a:p>
@@ -1429,7 +1429,7 @@
           <a:p>
             <a:fld id="{30A08051-1659-BE47-B6A6-19AC77E78DB6}" type="datetimeFigureOut">
               <a:rPr lang="en-US" smtClean="0"/>
-              <a:t>2/7/22</a:t>
+              <a:t>7/19/22</a:t>
             </a:fld>
             <a:endParaRPr lang="en-US"/>
           </a:p>
@@ -1841,7 +1841,7 @@
           <a:p>
             <a:fld id="{30A08051-1659-BE47-B6A6-19AC77E78DB6}" type="datetimeFigureOut">
               <a:rPr lang="en-US" smtClean="0"/>
-              <a:t>2/7/22</a:t>
+              <a:t>7/19/22</a:t>
             </a:fld>
             <a:endParaRPr lang="en-US"/>
           </a:p>
@@ -1982,7 +1982,7 @@
           <a:p>
             <a:fld id="{30A08051-1659-BE47-B6A6-19AC77E78DB6}" type="datetimeFigureOut">
               <a:rPr lang="en-US" smtClean="0"/>
-              <a:t>2/7/22</a:t>
+              <a:t>7/19/22</a:t>
             </a:fld>
             <a:endParaRPr lang="en-US"/>
           </a:p>
@@ -2095,7 +2095,7 @@
           <a:p>
             <a:fld id="{30A08051-1659-BE47-B6A6-19AC77E78DB6}" type="datetimeFigureOut">
               <a:rPr lang="en-US" smtClean="0"/>
-              <a:t>2/7/22</a:t>
+              <a:t>7/19/22</a:t>
             </a:fld>
             <a:endParaRPr lang="en-US"/>
           </a:p>
@@ -2406,7 +2406,7 @@
           <a:p>
             <a:fld id="{30A08051-1659-BE47-B6A6-19AC77E78DB6}" type="datetimeFigureOut">
               <a:rPr lang="en-US" smtClean="0"/>
-              <a:t>2/7/22</a:t>
+              <a:t>7/19/22</a:t>
             </a:fld>
             <a:endParaRPr lang="en-US"/>
           </a:p>
@@ -2694,7 +2694,7 @@
           <a:p>
             <a:fld id="{30A08051-1659-BE47-B6A6-19AC77E78DB6}" type="datetimeFigureOut">
               <a:rPr lang="en-US" smtClean="0"/>
-              <a:t>2/7/22</a:t>
+              <a:t>7/19/22</a:t>
             </a:fld>
             <a:endParaRPr lang="en-US"/>
           </a:p>
@@ -2935,7 +2935,7 @@
           <a:p>
             <a:fld id="{30A08051-1659-BE47-B6A6-19AC77E78DB6}" type="datetimeFigureOut">
               <a:rPr lang="en-US" smtClean="0"/>
-              <a:t>2/7/22</a:t>
+              <a:t>7/19/22</a:t>
             </a:fld>
             <a:endParaRPr lang="en-US"/>
           </a:p>
@@ -3394,7 +3394,7 @@
                 <a:latin typeface="Arial" panose="020B0604020202020204" pitchFamily="34" charset="0"/>
                 <a:cs typeface="Arial" panose="020B0604020202020204" pitchFamily="34" charset="0"/>
               </a:rPr>
-              <a:t> A guide to okay figures from an idiot</a:t>
+              <a:t> A guide to okay figures</a:t>
             </a:r>
           </a:p>
         </p:txBody>
@@ -7266,13 +7266,13 @@
         </p:nvSpPr>
         <p:spPr>
           <a:xfrm>
-            <a:off x="482600" y="125323"/>
-            <a:ext cx="11226800" cy="1325563"/>
+            <a:off x="430769" y="125323"/>
+            <a:ext cx="11330459" cy="1325563"/>
           </a:xfrm>
         </p:spPr>
         <p:txBody>
           <a:bodyPr>
-            <a:normAutofit fontScale="90000"/>
+            <a:normAutofit/>
           </a:bodyPr>
           <a:lstStyle/>
           <a:p>
@@ -7283,53 +7283,22 @@
                 <a:cs typeface="Arial" panose="020B0604020202020204" pitchFamily="34" charset="0"/>
                 <a:hlinkClick r:id="rId2"/>
               </a:rPr>
-              <a:t>https://github.com/trevorfaske/DataVisualization</a:t>
-            </a:r>
-            <a:br>
+              <a:t>https://github.com/tparchman/GAIN_summer2022/tree/main/day2_datavis</a:t>
+            </a:r>
+            <a:r>
               <a:rPr lang="en-US" dirty="0">
                 <a:latin typeface="Arial" panose="020B0604020202020204" pitchFamily="34" charset="0"/>
                 <a:cs typeface="Arial" panose="020B0604020202020204" pitchFamily="34" charset="0"/>
               </a:rPr>
-            </a:br>
-            <a:r>
-              <a:rPr lang="en-US" b="1" dirty="0">
-                <a:latin typeface="Arial" panose="020B0604020202020204" pitchFamily="34" charset="0"/>
-                <a:cs typeface="Arial" panose="020B0604020202020204" pitchFamily="34" charset="0"/>
-              </a:rPr>
               <a:t> </a:t>
             </a:r>
+            <a:endParaRPr lang="en-US" b="1" dirty="0">
+              <a:latin typeface="Arial" panose="020B0604020202020204" pitchFamily="34" charset="0"/>
+              <a:cs typeface="Arial" panose="020B0604020202020204" pitchFamily="34" charset="0"/>
+            </a:endParaRPr>
           </a:p>
         </p:txBody>
       </p:sp>
-      <p:pic>
-        <p:nvPicPr>
-          <p:cNvPr id="6" name="Picture 5" descr="Graphical user interface, text, application, email&#10;&#10;Description automatically generated">
-            <a:extLst>
-              <a:ext uri="{FF2B5EF4-FFF2-40B4-BE49-F238E27FC236}">
-                <a16:creationId xmlns:a16="http://schemas.microsoft.com/office/drawing/2014/main" id="{C5605FE1-A230-5341-AD04-C1CD58402AE0}"/>
-              </a:ext>
-            </a:extLst>
-          </p:cNvPr>
-          <p:cNvPicPr>
-            <a:picLocks noChangeAspect="1"/>
-          </p:cNvPicPr>
-          <p:nvPr/>
-        </p:nvPicPr>
-        <p:blipFill rotWithShape="1">
-          <a:blip r:embed="rId3"/>
-          <a:srcRect t="7963"/>
-          <a:stretch/>
-        </p:blipFill>
-        <p:spPr>
-          <a:xfrm>
-            <a:off x="1237146" y="971702"/>
-            <a:ext cx="9717707" cy="5760975"/>
-          </a:xfrm>
-          <a:prstGeom prst="rect">
-            <a:avLst/>
-          </a:prstGeom>
-        </p:spPr>
-      </p:pic>
     </p:spTree>
     <p:extLst>
       <p:ext uri="{BB962C8B-B14F-4D97-AF65-F5344CB8AC3E}">
